--- a/LB1/LB1_Präsentation_Sicherheit.pptx
+++ b/LB1/LB1_Präsentation_Sicherheit.pptx
@@ -5,11 +5,13 @@
     <p:sldMasterId id="2147483648" r:id="rId1"/>
   </p:sldMasterIdLst>
   <p:notesMasterIdLst>
-    <p:notesMasterId r:id="rId4"/>
+    <p:notesMasterId r:id="rId6"/>
   </p:notesMasterIdLst>
   <p:sldIdLst>
     <p:sldId id="256" r:id="rId2"/>
     <p:sldId id="257" r:id="rId3"/>
+    <p:sldId id="258" r:id="rId4"/>
+    <p:sldId id="259" r:id="rId5"/>
   </p:sldIdLst>
   <p:sldSz cx="12192000" cy="6858000"/>
   <p:notesSz cx="6858000" cy="9144000"/>
@@ -108,6 +110,11 @@
       </a:defRPr>
     </a:lvl9pPr>
   </p:defaultTextStyle>
+  <p:extLst>
+    <p:ext uri="{EFAFB233-063F-42B5-8137-9DF3F51BA10A}">
+      <p15:sldGuideLst xmlns:p15="http://schemas.microsoft.com/office/powerpoint/2012/main"/>
+    </p:ext>
+  </p:extLst>
 </p:presentation>
 </file>
 
@@ -124,7 +131,7 @@
   <pc:docChgLst>
     <pc:chgData name="Elia Garzi" userId="d9c41486e16d5cb2" providerId="LiveId" clId="{212910B6-DA7F-4359-9BBC-1B6B68DDF857}"/>
     <pc:docChg chg="addSld modSld">
-      <pc:chgData name="Elia Garzi" userId="d9c41486e16d5cb2" providerId="LiveId" clId="{212910B6-DA7F-4359-9BBC-1B6B68DDF857}" dt="2021-09-14T12:29:34.220" v="75" actId="20577"/>
+      <pc:chgData name="Elia Garzi" userId="d9c41486e16d5cb2" providerId="LiveId" clId="{212910B6-DA7F-4359-9BBC-1B6B68DDF857}" dt="2021-09-25T16:55:17.595" v="177" actId="20577"/>
       <pc:docMkLst>
         <pc:docMk/>
       </pc:docMkLst>
@@ -152,7 +159,7 @@
         </pc:spChg>
       </pc:sldChg>
       <pc:sldChg chg="modSp new mod">
-        <pc:chgData name="Elia Garzi" userId="d9c41486e16d5cb2" providerId="LiveId" clId="{212910B6-DA7F-4359-9BBC-1B6B68DDF857}" dt="2021-09-14T12:29:34.220" v="75" actId="20577"/>
+        <pc:chgData name="Elia Garzi" userId="d9c41486e16d5cb2" providerId="LiveId" clId="{212910B6-DA7F-4359-9BBC-1B6B68DDF857}" dt="2021-09-25T16:54:29.707" v="128" actId="20577"/>
         <pc:sldMkLst>
           <pc:docMk/>
           <pc:sldMk cId="4101988453" sldId="257"/>
@@ -163,6 +170,44 @@
             <pc:docMk/>
             <pc:sldMk cId="4101988453" sldId="257"/>
             <ac:spMk id="2" creationId="{364127A3-838C-4C42-93BA-50C055C5257D}"/>
+          </ac:spMkLst>
+        </pc:spChg>
+        <pc:spChg chg="mod">
+          <ac:chgData name="Elia Garzi" userId="d9c41486e16d5cb2" providerId="LiveId" clId="{212910B6-DA7F-4359-9BBC-1B6B68DDF857}" dt="2021-09-25T16:54:29.707" v="128" actId="20577"/>
+          <ac:spMkLst>
+            <pc:docMk/>
+            <pc:sldMk cId="4101988453" sldId="257"/>
+            <ac:spMk id="3" creationId="{ED03CBC1-3D9D-459F-BDFD-61B66B14D0A6}"/>
+          </ac:spMkLst>
+        </pc:spChg>
+      </pc:sldChg>
+      <pc:sldChg chg="modSp new mod">
+        <pc:chgData name="Elia Garzi" userId="d9c41486e16d5cb2" providerId="LiveId" clId="{212910B6-DA7F-4359-9BBC-1B6B68DDF857}" dt="2021-09-25T16:55:02.354" v="158" actId="20577"/>
+        <pc:sldMkLst>
+          <pc:docMk/>
+          <pc:sldMk cId="333536582" sldId="258"/>
+        </pc:sldMkLst>
+        <pc:spChg chg="mod">
+          <ac:chgData name="Elia Garzi" userId="d9c41486e16d5cb2" providerId="LiveId" clId="{212910B6-DA7F-4359-9BBC-1B6B68DDF857}" dt="2021-09-25T16:55:02.354" v="158" actId="20577"/>
+          <ac:spMkLst>
+            <pc:docMk/>
+            <pc:sldMk cId="333536582" sldId="258"/>
+            <ac:spMk id="2" creationId="{BB1EE29B-9719-44F3-9815-02DE85DD351C}"/>
+          </ac:spMkLst>
+        </pc:spChg>
+      </pc:sldChg>
+      <pc:sldChg chg="modSp new mod">
+        <pc:chgData name="Elia Garzi" userId="d9c41486e16d5cb2" providerId="LiveId" clId="{212910B6-DA7F-4359-9BBC-1B6B68DDF857}" dt="2021-09-25T16:55:17.595" v="177" actId="20577"/>
+        <pc:sldMkLst>
+          <pc:docMk/>
+          <pc:sldMk cId="3027600942" sldId="259"/>
+        </pc:sldMkLst>
+        <pc:spChg chg="mod">
+          <ac:chgData name="Elia Garzi" userId="d9c41486e16d5cb2" providerId="LiveId" clId="{212910B6-DA7F-4359-9BBC-1B6B68DDF857}" dt="2021-09-25T16:55:17.595" v="177" actId="20577"/>
+          <ac:spMkLst>
+            <pc:docMk/>
+            <pc:sldMk cId="3027600942" sldId="259"/>
+            <ac:spMk id="2" creationId="{1485E834-C2F9-494F-B008-AB71F20A5DAD}"/>
           </ac:spMkLst>
         </pc:spChg>
       </pc:sldChg>
@@ -253,7 +298,7 @@
           <a:p>
             <a:fld id="{BC1F52F8-9BA7-415E-A97C-5BA66CB8DD52}" type="datetimeFigureOut">
               <a:rPr lang="en-CH" smtClean="0"/>
-              <a:t>14/09/2021</a:t>
+              <a:t>25/09/2021</a:t>
             </a:fld>
             <a:endParaRPr lang="en-CH"/>
           </a:p>
@@ -670,7 +715,7 @@
           <a:p>
             <a:fld id="{F15C4311-6654-4535-A806-A6D683391B80}" type="datetime8">
               <a:rPr lang="en-CH" smtClean="0"/>
-              <a:t>14/09/2021 14:28</a:t>
+              <a:t>25/09/2021 18:54</a:t>
             </a:fld>
             <a:endParaRPr lang="en-CH"/>
           </a:p>
@@ -870,7 +915,7 @@
           <a:p>
             <a:fld id="{6E0F8757-6431-4DFA-94AD-50B0D69BB98B}" type="datetime8">
               <a:rPr lang="en-CH" smtClean="0"/>
-              <a:t>14/09/2021 14:28</a:t>
+              <a:t>25/09/2021 18:54</a:t>
             </a:fld>
             <a:endParaRPr lang="en-CH"/>
           </a:p>
@@ -1080,7 +1125,7 @@
           <a:p>
             <a:fld id="{998D3B21-6C7C-441E-90C7-32B588444E03}" type="datetime8">
               <a:rPr lang="en-CH" smtClean="0"/>
-              <a:t>14/09/2021 14:28</a:t>
+              <a:t>25/09/2021 18:54</a:t>
             </a:fld>
             <a:endParaRPr lang="en-CH"/>
           </a:p>
@@ -1280,7 +1325,7 @@
           <a:p>
             <a:fld id="{D3716DA7-DF58-4801-9B41-AC3E8F5C2B04}" type="datetime8">
               <a:rPr lang="en-CH" smtClean="0"/>
-              <a:t>14/09/2021 14:28</a:t>
+              <a:t>25/09/2021 18:54</a:t>
             </a:fld>
             <a:endParaRPr lang="en-CH"/>
           </a:p>
@@ -1556,7 +1601,7 @@
           <a:p>
             <a:fld id="{5009CECD-9C5F-49F1-80B9-877C21231BEF}" type="datetime8">
               <a:rPr lang="en-CH" smtClean="0"/>
-              <a:t>14/09/2021 14:28</a:t>
+              <a:t>25/09/2021 18:54</a:t>
             </a:fld>
             <a:endParaRPr lang="en-CH"/>
           </a:p>
@@ -1824,7 +1869,7 @@
           <a:p>
             <a:fld id="{B5D27120-7C4E-40B9-8CAF-71B43CD8E862}" type="datetime8">
               <a:rPr lang="en-CH" smtClean="0"/>
-              <a:t>14/09/2021 14:28</a:t>
+              <a:t>25/09/2021 18:54</a:t>
             </a:fld>
             <a:endParaRPr lang="en-CH"/>
           </a:p>
@@ -2239,7 +2284,7 @@
           <a:p>
             <a:fld id="{61C98D39-0DB0-4753-91DD-9C0686E505CE}" type="datetime8">
               <a:rPr lang="en-CH" smtClean="0"/>
-              <a:t>14/09/2021 14:28</a:t>
+              <a:t>25/09/2021 18:54</a:t>
             </a:fld>
             <a:endParaRPr lang="en-CH"/>
           </a:p>
@@ -2381,7 +2426,7 @@
           <a:p>
             <a:fld id="{3878BC85-0C2B-4DA8-8515-2ADF681364BE}" type="datetime8">
               <a:rPr lang="en-CH" smtClean="0"/>
-              <a:t>14/09/2021 14:28</a:t>
+              <a:t>25/09/2021 18:54</a:t>
             </a:fld>
             <a:endParaRPr lang="en-CH"/>
           </a:p>
@@ -2494,7 +2539,7 @@
           <a:p>
             <a:fld id="{AE0F0BEB-BADB-47D8-8143-A0CE7E5737FD}" type="datetime8">
               <a:rPr lang="en-CH" smtClean="0"/>
-              <a:t>14/09/2021 14:28</a:t>
+              <a:t>25/09/2021 18:54</a:t>
             </a:fld>
             <a:endParaRPr lang="en-CH"/>
           </a:p>
@@ -2807,7 +2852,7 @@
           <a:p>
             <a:fld id="{BCE6ED32-EDE2-454E-92F5-E2C145504F85}" type="datetime8">
               <a:rPr lang="en-CH" smtClean="0"/>
-              <a:t>14/09/2021 14:28</a:t>
+              <a:t>25/09/2021 18:54</a:t>
             </a:fld>
             <a:endParaRPr lang="en-CH"/>
           </a:p>
@@ -3096,7 +3141,7 @@
           <a:p>
             <a:fld id="{EC7F4C50-1BCC-4C37-B73F-25F2B2508266}" type="datetime8">
               <a:rPr lang="en-CH" smtClean="0"/>
-              <a:t>14/09/2021 14:28</a:t>
+              <a:t>25/09/2021 18:54</a:t>
             </a:fld>
             <a:endParaRPr lang="en-CH"/>
           </a:p>
@@ -3339,7 +3384,7 @@
           <a:p>
             <a:fld id="{0AB81C3B-3041-4F62-9B3C-FC4510BAD9F0}" type="datetime8">
               <a:rPr lang="en-CH" smtClean="0"/>
-              <a:t>14/09/2021 14:28</a:t>
+              <a:t>25/09/2021 18:54</a:t>
             </a:fld>
             <a:endParaRPr lang="en-CH"/>
           </a:p>
@@ -3895,7 +3940,17 @@
           <a:bodyPr/>
           <a:lstStyle/>
           <a:p>
-            <a:endParaRPr lang="en-CH"/>
+            <a:r>
+              <a:rPr lang="de-CH" dirty="0"/>
+              <a:t>Erfahrungsbericht</a:t>
+            </a:r>
+          </a:p>
+          <a:p>
+            <a:r>
+              <a:rPr lang="de-CH" dirty="0"/>
+              <a:t>Sicherheit im WAN </a:t>
+            </a:r>
+            <a:endParaRPr lang="en-CH" dirty="0"/>
           </a:p>
         </p:txBody>
       </p:sp>
@@ -3922,7 +3977,7 @@
           <a:p>
             <a:fld id="{D3716DA7-DF58-4801-9B41-AC3E8F5C2B04}" type="datetime8">
               <a:rPr lang="en-CH" smtClean="0"/>
-              <a:t>14/09/2021 14:29</a:t>
+              <a:t>25/09/2021 18:54</a:t>
             </a:fld>
             <a:endParaRPr lang="en-CH"/>
           </a:p>
@@ -3961,6 +4016,290 @@
     <p:extLst>
       <p:ext uri="{BB962C8B-B14F-4D97-AF65-F5344CB8AC3E}">
         <p14:creationId xmlns:p14="http://schemas.microsoft.com/office/powerpoint/2010/main" val="4101988453"/>
+      </p:ext>
+    </p:extLst>
+  </p:cSld>
+  <p:clrMapOvr>
+    <a:masterClrMapping/>
+  </p:clrMapOvr>
+</p:sld>
+</file>
+
+<file path=ppt/slides/slide3.xml><?xml version="1.0" encoding="utf-8"?>
+<p:sld xmlns:a="http://schemas.openxmlformats.org/drawingml/2006/main" xmlns:r="http://schemas.openxmlformats.org/officeDocument/2006/relationships" xmlns:p="http://schemas.openxmlformats.org/presentationml/2006/main">
+  <p:cSld>
+    <p:spTree>
+      <p:nvGrpSpPr>
+        <p:cNvPr id="1" name=""/>
+        <p:cNvGrpSpPr/>
+        <p:nvPr/>
+      </p:nvGrpSpPr>
+      <p:grpSpPr>
+        <a:xfrm>
+          <a:off x="0" y="0"/>
+          <a:ext cx="0" cy="0"/>
+          <a:chOff x="0" y="0"/>
+          <a:chExt cx="0" cy="0"/>
+        </a:xfrm>
+      </p:grpSpPr>
+      <p:sp>
+        <p:nvSpPr>
+          <p:cNvPr id="2" name="Titel 1">
+            <a:extLst>
+              <a:ext uri="{FF2B5EF4-FFF2-40B4-BE49-F238E27FC236}">
+                <a16:creationId xmlns:a16="http://schemas.microsoft.com/office/drawing/2014/main" id="{BB1EE29B-9719-44F3-9815-02DE85DD351C}"/>
+              </a:ext>
+            </a:extLst>
+          </p:cNvPr>
+          <p:cNvSpPr>
+            <a:spLocks noGrp="1"/>
+          </p:cNvSpPr>
+          <p:nvPr>
+            <p:ph type="title"/>
+          </p:nvPr>
+        </p:nvSpPr>
+        <p:spPr/>
+        <p:txBody>
+          <a:bodyPr/>
+          <a:lstStyle/>
+          <a:p>
+            <a:r>
+              <a:rPr lang="de-CH" dirty="0"/>
+              <a:t>Erfahrungsbericht</a:t>
+            </a:r>
+            <a:endParaRPr lang="en-CH" dirty="0"/>
+          </a:p>
+        </p:txBody>
+      </p:sp>
+      <p:sp>
+        <p:nvSpPr>
+          <p:cNvPr id="3" name="Inhaltsplatzhalter 2">
+            <a:extLst>
+              <a:ext uri="{FF2B5EF4-FFF2-40B4-BE49-F238E27FC236}">
+                <a16:creationId xmlns:a16="http://schemas.microsoft.com/office/drawing/2014/main" id="{6EF41A09-ABF9-451D-8FCA-227CD487DE2B}"/>
+              </a:ext>
+            </a:extLst>
+          </p:cNvPr>
+          <p:cNvSpPr>
+            <a:spLocks noGrp="1"/>
+          </p:cNvSpPr>
+          <p:nvPr>
+            <p:ph idx="1"/>
+          </p:nvPr>
+        </p:nvSpPr>
+        <p:spPr/>
+        <p:txBody>
+          <a:bodyPr/>
+          <a:lstStyle/>
+          <a:p>
+            <a:endParaRPr lang="en-CH" dirty="0"/>
+          </a:p>
+        </p:txBody>
+      </p:sp>
+      <p:sp>
+        <p:nvSpPr>
+          <p:cNvPr id="4" name="Datumsplatzhalter 3">
+            <a:extLst>
+              <a:ext uri="{FF2B5EF4-FFF2-40B4-BE49-F238E27FC236}">
+                <a16:creationId xmlns:a16="http://schemas.microsoft.com/office/drawing/2014/main" id="{9E8436BC-D181-4506-BB54-B54DF4C531FF}"/>
+              </a:ext>
+            </a:extLst>
+          </p:cNvPr>
+          <p:cNvSpPr>
+            <a:spLocks noGrp="1"/>
+          </p:cNvSpPr>
+          <p:nvPr>
+            <p:ph type="dt" sz="half" idx="10"/>
+          </p:nvPr>
+        </p:nvSpPr>
+        <p:spPr/>
+        <p:txBody>
+          <a:bodyPr/>
+          <a:lstStyle/>
+          <a:p>
+            <a:fld id="{D3716DA7-DF58-4801-9B41-AC3E8F5C2B04}" type="datetime8">
+              <a:rPr lang="en-CH" smtClean="0"/>
+              <a:t>25/09/2021 18:54</a:t>
+            </a:fld>
+            <a:endParaRPr lang="en-CH"/>
+          </a:p>
+        </p:txBody>
+      </p:sp>
+      <p:sp>
+        <p:nvSpPr>
+          <p:cNvPr id="5" name="Foliennummernplatzhalter 4">
+            <a:extLst>
+              <a:ext uri="{FF2B5EF4-FFF2-40B4-BE49-F238E27FC236}">
+                <a16:creationId xmlns:a16="http://schemas.microsoft.com/office/drawing/2014/main" id="{BC1A2A9F-D783-4CE3-8A7D-CEF4AF573C66}"/>
+              </a:ext>
+            </a:extLst>
+          </p:cNvPr>
+          <p:cNvSpPr>
+            <a:spLocks noGrp="1"/>
+          </p:cNvSpPr>
+          <p:nvPr>
+            <p:ph type="sldNum" sz="quarter" idx="12"/>
+          </p:nvPr>
+        </p:nvSpPr>
+        <p:spPr/>
+        <p:txBody>
+          <a:bodyPr/>
+          <a:lstStyle/>
+          <a:p>
+            <a:fld id="{124E337B-798A-4854-B12F-9A771EAB003B}" type="slidenum">
+              <a:rPr lang="en-CH" smtClean="0"/>
+              <a:t>3</a:t>
+            </a:fld>
+            <a:endParaRPr lang="en-CH"/>
+          </a:p>
+        </p:txBody>
+      </p:sp>
+    </p:spTree>
+    <p:extLst>
+      <p:ext uri="{BB962C8B-B14F-4D97-AF65-F5344CB8AC3E}">
+        <p14:creationId xmlns:p14="http://schemas.microsoft.com/office/powerpoint/2010/main" val="333536582"/>
+      </p:ext>
+    </p:extLst>
+  </p:cSld>
+  <p:clrMapOvr>
+    <a:masterClrMapping/>
+  </p:clrMapOvr>
+</p:sld>
+</file>
+
+<file path=ppt/slides/slide4.xml><?xml version="1.0" encoding="utf-8"?>
+<p:sld xmlns:a="http://schemas.openxmlformats.org/drawingml/2006/main" xmlns:r="http://schemas.openxmlformats.org/officeDocument/2006/relationships" xmlns:p="http://schemas.openxmlformats.org/presentationml/2006/main">
+  <p:cSld>
+    <p:spTree>
+      <p:nvGrpSpPr>
+        <p:cNvPr id="1" name=""/>
+        <p:cNvGrpSpPr/>
+        <p:nvPr/>
+      </p:nvGrpSpPr>
+      <p:grpSpPr>
+        <a:xfrm>
+          <a:off x="0" y="0"/>
+          <a:ext cx="0" cy="0"/>
+          <a:chOff x="0" y="0"/>
+          <a:chExt cx="0" cy="0"/>
+        </a:xfrm>
+      </p:grpSpPr>
+      <p:sp>
+        <p:nvSpPr>
+          <p:cNvPr id="2" name="Titel 1">
+            <a:extLst>
+              <a:ext uri="{FF2B5EF4-FFF2-40B4-BE49-F238E27FC236}">
+                <a16:creationId xmlns:a16="http://schemas.microsoft.com/office/drawing/2014/main" id="{1485E834-C2F9-494F-B008-AB71F20A5DAD}"/>
+              </a:ext>
+            </a:extLst>
+          </p:cNvPr>
+          <p:cNvSpPr>
+            <a:spLocks noGrp="1"/>
+          </p:cNvSpPr>
+          <p:nvPr>
+            <p:ph type="title"/>
+          </p:nvPr>
+        </p:nvSpPr>
+        <p:spPr/>
+        <p:txBody>
+          <a:bodyPr/>
+          <a:lstStyle/>
+          <a:p>
+            <a:r>
+              <a:rPr lang="de-CH" dirty="0"/>
+              <a:t>Sicherheit im WAN	</a:t>
+            </a:r>
+            <a:endParaRPr lang="en-CH" dirty="0"/>
+          </a:p>
+        </p:txBody>
+      </p:sp>
+      <p:sp>
+        <p:nvSpPr>
+          <p:cNvPr id="3" name="Inhaltsplatzhalter 2">
+            <a:extLst>
+              <a:ext uri="{FF2B5EF4-FFF2-40B4-BE49-F238E27FC236}">
+                <a16:creationId xmlns:a16="http://schemas.microsoft.com/office/drawing/2014/main" id="{8064B307-FBFD-441F-9E91-4476C87A2DCB}"/>
+              </a:ext>
+            </a:extLst>
+          </p:cNvPr>
+          <p:cNvSpPr>
+            <a:spLocks noGrp="1"/>
+          </p:cNvSpPr>
+          <p:nvPr>
+            <p:ph idx="1"/>
+          </p:nvPr>
+        </p:nvSpPr>
+        <p:spPr/>
+        <p:txBody>
+          <a:bodyPr/>
+          <a:lstStyle/>
+          <a:p>
+            <a:endParaRPr lang="en-CH" dirty="0"/>
+          </a:p>
+        </p:txBody>
+      </p:sp>
+      <p:sp>
+        <p:nvSpPr>
+          <p:cNvPr id="4" name="Datumsplatzhalter 3">
+            <a:extLst>
+              <a:ext uri="{FF2B5EF4-FFF2-40B4-BE49-F238E27FC236}">
+                <a16:creationId xmlns:a16="http://schemas.microsoft.com/office/drawing/2014/main" id="{173A40A2-B77C-4E8F-B34A-AA3DCC3D25D1}"/>
+              </a:ext>
+            </a:extLst>
+          </p:cNvPr>
+          <p:cNvSpPr>
+            <a:spLocks noGrp="1"/>
+          </p:cNvSpPr>
+          <p:nvPr>
+            <p:ph type="dt" sz="half" idx="10"/>
+          </p:nvPr>
+        </p:nvSpPr>
+        <p:spPr/>
+        <p:txBody>
+          <a:bodyPr/>
+          <a:lstStyle/>
+          <a:p>
+            <a:fld id="{D3716DA7-DF58-4801-9B41-AC3E8F5C2B04}" type="datetime8">
+              <a:rPr lang="en-CH" smtClean="0"/>
+              <a:t>25/09/2021 18:55</a:t>
+            </a:fld>
+            <a:endParaRPr lang="en-CH"/>
+          </a:p>
+        </p:txBody>
+      </p:sp>
+      <p:sp>
+        <p:nvSpPr>
+          <p:cNvPr id="5" name="Foliennummernplatzhalter 4">
+            <a:extLst>
+              <a:ext uri="{FF2B5EF4-FFF2-40B4-BE49-F238E27FC236}">
+                <a16:creationId xmlns:a16="http://schemas.microsoft.com/office/drawing/2014/main" id="{AABF8EB0-7B6C-4789-B602-DAA530BCB5B7}"/>
+              </a:ext>
+            </a:extLst>
+          </p:cNvPr>
+          <p:cNvSpPr>
+            <a:spLocks noGrp="1"/>
+          </p:cNvSpPr>
+          <p:nvPr>
+            <p:ph type="sldNum" sz="quarter" idx="12"/>
+          </p:nvPr>
+        </p:nvSpPr>
+        <p:spPr/>
+        <p:txBody>
+          <a:bodyPr/>
+          <a:lstStyle/>
+          <a:p>
+            <a:fld id="{124E337B-798A-4854-B12F-9A771EAB003B}" type="slidenum">
+              <a:rPr lang="en-CH" smtClean="0"/>
+              <a:t>4</a:t>
+            </a:fld>
+            <a:endParaRPr lang="en-CH"/>
+          </a:p>
+        </p:txBody>
+      </p:sp>
+    </p:spTree>
+    <p:extLst>
+      <p:ext uri="{BB962C8B-B14F-4D97-AF65-F5344CB8AC3E}">
+        <p14:creationId xmlns:p14="http://schemas.microsoft.com/office/powerpoint/2010/main" val="3027600942"/>
       </p:ext>
     </p:extLst>
   </p:cSld>
